--- a/slides/ref/phdcn_template.pptx
+++ b/slides/ref/phdcn_template.pptx
@@ -240,7 +240,7 @@
           <a:p>
             <a:fld id="{D2076858-3B3C-48E6-8BD7-0995C53FCAA0}" type="datetimeFigureOut">
               <a:rPr lang="en-US" smtClean="0"/>
-              <a:t>9/17/2022</a:t>
+              <a:t>9/19/2022</a:t>
             </a:fld>
             <a:endParaRPr lang="en-US" dirty="0"/>
           </a:p>
@@ -638,7 +638,7 @@
           <a:p>
             <a:fld id="{A12C7E72-0CC6-47E0-A604-C28B7A6CBFCB}" type="datetimeFigureOut">
               <a:rPr lang="en-US" smtClean="0"/>
-              <a:t>9/17/2022</a:t>
+              <a:t>9/19/2022</a:t>
             </a:fld>
             <a:endParaRPr lang="en-US" dirty="0"/>
           </a:p>
@@ -898,7 +898,7 @@
           <a:p>
             <a:fld id="{A12C7E72-0CC6-47E0-A604-C28B7A6CBFCB}" type="datetimeFigureOut">
               <a:rPr lang="en-US" smtClean="0"/>
-              <a:t>9/17/2022</a:t>
+              <a:t>9/19/2022</a:t>
             </a:fld>
             <a:endParaRPr lang="en-US" dirty="0"/>
           </a:p>
@@ -1071,7 +1071,7 @@
           <a:p>
             <a:fld id="{A12C7E72-0CC6-47E0-A604-C28B7A6CBFCB}" type="datetimeFigureOut">
               <a:rPr lang="en-US" smtClean="0"/>
-              <a:t>9/17/2022</a:t>
+              <a:t>9/19/2022</a:t>
             </a:fld>
             <a:endParaRPr lang="en-US" dirty="0"/>
           </a:p>
@@ -1254,7 +1254,7 @@
           <a:p>
             <a:fld id="{A12C7E72-0CC6-47E0-A604-C28B7A6CBFCB}" type="datetimeFigureOut">
               <a:rPr lang="en-US" smtClean="0"/>
-              <a:t>9/17/2022</a:t>
+              <a:t>9/19/2022</a:t>
             </a:fld>
             <a:endParaRPr lang="en-US" dirty="0"/>
           </a:p>
@@ -1427,7 +1427,7 @@
           <a:p>
             <a:fld id="{A12C7E72-0CC6-47E0-A604-C28B7A6CBFCB}" type="datetimeFigureOut">
               <a:rPr lang="en-US" smtClean="0"/>
-              <a:t>9/17/2022</a:t>
+              <a:t>9/19/2022</a:t>
             </a:fld>
             <a:endParaRPr lang="en-US" dirty="0"/>
           </a:p>
@@ -1582,7 +1582,7 @@
           <a:p>
             <a:fld id="{A12C7E72-0CC6-47E0-A604-C28B7A6CBFCB}" type="datetimeFigureOut">
               <a:rPr lang="en-US" smtClean="0"/>
-              <a:t>9/17/2022</a:t>
+              <a:t>9/19/2022</a:t>
             </a:fld>
             <a:endParaRPr lang="en-US" dirty="0"/>
           </a:p>
@@ -1831,7 +1831,7 @@
           <a:p>
             <a:fld id="{A12C7E72-0CC6-47E0-A604-C28B7A6CBFCB}" type="datetimeFigureOut">
               <a:rPr lang="en-US" smtClean="0"/>
-              <a:t>9/17/2022</a:t>
+              <a:t>9/19/2022</a:t>
             </a:fld>
             <a:endParaRPr lang="en-US" dirty="0"/>
           </a:p>
@@ -1896,7 +1896,7 @@
 </file>
 
 <file path=ppt/slideLayouts/slideLayout5.xml><?xml version="1.0" encoding="utf-8"?>
-<p:sldLayout xmlns:a="http://schemas.openxmlformats.org/drawingml/2006/main" xmlns:r="http://schemas.openxmlformats.org/officeDocument/2006/relationships" xmlns:p="http://schemas.openxmlformats.org/presentationml/2006/main" type="twoObj" preserve="1">
+<p:sldLayout xmlns:a="http://schemas.openxmlformats.org/drawingml/2006/main" xmlns:r="http://schemas.openxmlformats.org/officeDocument/2006/relationships" xmlns:p="http://schemas.openxmlformats.org/presentationml/2006/main" preserve="1" userDrawn="1">
   <p:cSld name="Two Content">
     <p:spTree>
       <p:nvGrpSpPr>
@@ -1914,29 +1914,6 @@
       </p:grpSpPr>
       <p:sp>
         <p:nvSpPr>
-          <p:cNvPr id="2" name="Title 1"/>
-          <p:cNvSpPr>
-            <a:spLocks noGrp="1"/>
-          </p:cNvSpPr>
-          <p:nvPr>
-            <p:ph type="title"/>
-          </p:nvPr>
-        </p:nvSpPr>
-        <p:spPr/>
-        <p:txBody>
-          <a:bodyPr/>
-          <a:lstStyle/>
-          <a:p>
-            <a:r>
-              <a:rPr lang="en-US"/>
-              <a:t>Click to edit Master title style</a:t>
-            </a:r>
-            <a:endParaRPr lang="en-US" dirty="0"/>
-          </a:p>
-        </p:txBody>
-      </p:sp>
-      <p:sp>
-        <p:nvSpPr>
           <p:cNvPr id="3" name="Content Placeholder 2"/>
           <p:cNvSpPr>
             <a:spLocks noGrp="1"/>
@@ -1947,8 +1924,8 @@
         </p:nvSpPr>
         <p:spPr>
           <a:xfrm>
-            <a:off x="838200" y="1825625"/>
-            <a:ext cx="5181600" cy="4351338"/>
+            <a:off x="86497" y="74140"/>
+            <a:ext cx="5933303" cy="6345193"/>
           </a:xfrm>
         </p:spPr>
         <p:txBody>
@@ -2004,8 +1981,8 @@
         </p:nvSpPr>
         <p:spPr>
           <a:xfrm>
-            <a:off x="6172200" y="1825625"/>
-            <a:ext cx="5181600" cy="4351338"/>
+            <a:off x="6172199" y="74141"/>
+            <a:ext cx="5933303" cy="6345194"/>
           </a:xfrm>
         </p:spPr>
         <p:txBody>
@@ -2051,29 +2028,6 @@
       </p:sp>
       <p:sp>
         <p:nvSpPr>
-          <p:cNvPr id="5" name="Date Placeholder 4"/>
-          <p:cNvSpPr>
-            <a:spLocks noGrp="1"/>
-          </p:cNvSpPr>
-          <p:nvPr>
-            <p:ph type="dt" sz="half" idx="10"/>
-          </p:nvPr>
-        </p:nvSpPr>
-        <p:spPr/>
-        <p:txBody>
-          <a:bodyPr/>
-          <a:lstStyle/>
-          <a:p>
-            <a:fld id="{A12C7E72-0CC6-47E0-A604-C28B7A6CBFCB}" type="datetimeFigureOut">
-              <a:rPr lang="en-US" smtClean="0"/>
-              <a:t>9/17/2022</a:t>
-            </a:fld>
-            <a:endParaRPr lang="en-US" dirty="0"/>
-          </a:p>
-        </p:txBody>
-      </p:sp>
-      <p:sp>
-        <p:nvSpPr>
           <p:cNvPr id="6" name="Footer Placeholder 5"/>
           <p:cNvSpPr>
             <a:spLocks noGrp="1"/>
@@ -2082,34 +2036,16 @@
             <p:ph type="ftr" sz="quarter" idx="11"/>
           </p:nvPr>
         </p:nvSpPr>
-        <p:spPr/>
-        <p:txBody>
-          <a:bodyPr/>
-          <a:lstStyle/>
-          <a:p>
-            <a:endParaRPr lang="en-US" dirty="0"/>
-          </a:p>
-        </p:txBody>
-      </p:sp>
-      <p:sp>
-        <p:nvSpPr>
-          <p:cNvPr id="7" name="Slide Number Placeholder 6"/>
-          <p:cNvSpPr>
-            <a:spLocks noGrp="1"/>
-          </p:cNvSpPr>
-          <p:nvPr>
-            <p:ph type="sldNum" sz="quarter" idx="12"/>
-          </p:nvPr>
-        </p:nvSpPr>
-        <p:spPr/>
-        <p:txBody>
-          <a:bodyPr/>
-          <a:lstStyle/>
-          <a:p>
-            <a:fld id="{454F3CDE-66F6-4F40-AC85-69FE3DE3DA6D}" type="slidenum">
-              <a:rPr lang="en-US" smtClean="0"/>
-              <a:t>‹#›</a:t>
-            </a:fld>
+        <p:spPr>
+          <a:xfrm>
+            <a:off x="4038600" y="6419333"/>
+            <a:ext cx="4114800" cy="365125"/>
+          </a:xfrm>
+        </p:spPr>
+        <p:txBody>
+          <a:bodyPr/>
+          <a:lstStyle/>
+          <a:p>
             <a:endParaRPr lang="en-US" dirty="0"/>
           </a:p>
         </p:txBody>
@@ -2436,7 +2372,7 @@
           <a:p>
             <a:fld id="{A12C7E72-0CC6-47E0-A604-C28B7A6CBFCB}" type="datetimeFigureOut">
               <a:rPr lang="en-US" smtClean="0"/>
-              <a:t>9/17/2022</a:t>
+              <a:t>9/19/2022</a:t>
             </a:fld>
             <a:endParaRPr lang="en-US" dirty="0"/>
           </a:p>
@@ -2557,7 +2493,7 @@
           <a:p>
             <a:fld id="{A12C7E72-0CC6-47E0-A604-C28B7A6CBFCB}" type="datetimeFigureOut">
               <a:rPr lang="en-US" smtClean="0"/>
-              <a:t>9/17/2022</a:t>
+              <a:t>9/19/2022</a:t>
             </a:fld>
             <a:endParaRPr lang="en-US" dirty="0"/>
           </a:p>
@@ -2655,7 +2591,7 @@
           <a:p>
             <a:fld id="{A12C7E72-0CC6-47E0-A604-C28B7A6CBFCB}" type="datetimeFigureOut">
               <a:rPr lang="en-US" smtClean="0"/>
-              <a:t>9/17/2022</a:t>
+              <a:t>9/19/2022</a:t>
             </a:fld>
             <a:endParaRPr lang="en-US" dirty="0"/>
           </a:p>
@@ -2935,7 +2871,7 @@
           <a:p>
             <a:fld id="{A12C7E72-0CC6-47E0-A604-C28B7A6CBFCB}" type="datetimeFigureOut">
               <a:rPr lang="en-US" smtClean="0"/>
-              <a:t>9/17/2022</a:t>
+              <a:t>9/19/2022</a:t>
             </a:fld>
             <a:endParaRPr lang="en-US" dirty="0"/>
           </a:p>
@@ -3149,7 +3085,7 @@
           <a:p>
             <a:fld id="{A12C7E72-0CC6-47E0-A604-C28B7A6CBFCB}" type="datetimeFigureOut">
               <a:rPr lang="en-US" smtClean="0"/>
-              <a:t>9/17/2022</a:t>
+              <a:t>9/19/2022</a:t>
             </a:fld>
             <a:endParaRPr lang="en-US" dirty="0"/>
           </a:p>
